--- a/Kaleidoscope/Ch9/Kaleidoscope.pptx
+++ b/Kaleidoscope/Ch9/Kaleidoscope.pptx
@@ -7,8 +7,9 @@
   <p:sldIdLst>
     <p:sldId id="256" r:id="rId2"/>
     <p:sldId id="257" r:id="rId3"/>
-    <p:sldId id="259" r:id="rId4"/>
-    <p:sldId id="258" r:id="rId5"/>
+    <p:sldId id="260" r:id="rId4"/>
+    <p:sldId id="259" r:id="rId5"/>
+    <p:sldId id="258" r:id="rId6"/>
   </p:sldIdLst>
   <p:sldSz cx="12192000" cy="6858000"/>
   <p:notesSz cx="6858000" cy="9144000"/>
@@ -275,7 +276,7 @@
           <a:p>
             <a:fld id="{CD155C20-67AB-43EF-8383-CD2F17798BB7}" type="datetimeFigureOut">
               <a:rPr lang="zh-CN" altLang="en-US" smtClean="0"/>
-              <a:t>2020/9/5</a:t>
+              <a:t>2020/9/6</a:t>
             </a:fld>
             <a:endParaRPr lang="zh-CN" altLang="en-US"/>
           </a:p>
@@ -473,7 +474,7 @@
           <a:p>
             <a:fld id="{CD155C20-67AB-43EF-8383-CD2F17798BB7}" type="datetimeFigureOut">
               <a:rPr lang="zh-CN" altLang="en-US" smtClean="0"/>
-              <a:t>2020/9/5</a:t>
+              <a:t>2020/9/6</a:t>
             </a:fld>
             <a:endParaRPr lang="zh-CN" altLang="en-US"/>
           </a:p>
@@ -681,7 +682,7 @@
           <a:p>
             <a:fld id="{CD155C20-67AB-43EF-8383-CD2F17798BB7}" type="datetimeFigureOut">
               <a:rPr lang="zh-CN" altLang="en-US" smtClean="0"/>
-              <a:t>2020/9/5</a:t>
+              <a:t>2020/9/6</a:t>
             </a:fld>
             <a:endParaRPr lang="zh-CN" altLang="en-US"/>
           </a:p>
@@ -895,7 +896,7 @@
           <a:p>
             <a:fld id="{CD155C20-67AB-43EF-8383-CD2F17798BB7}" type="datetimeFigureOut">
               <a:rPr lang="zh-CN" altLang="en-US" smtClean="0"/>
-              <a:t>2020/9/5</a:t>
+              <a:t>2020/9/6</a:t>
             </a:fld>
             <a:endParaRPr lang="zh-CN" altLang="en-US"/>
           </a:p>
@@ -1170,7 +1171,7 @@
           <a:p>
             <a:fld id="{CD155C20-67AB-43EF-8383-CD2F17798BB7}" type="datetimeFigureOut">
               <a:rPr lang="zh-CN" altLang="en-US" smtClean="0"/>
-              <a:t>2020/9/5</a:t>
+              <a:t>2020/9/6</a:t>
             </a:fld>
             <a:endParaRPr lang="zh-CN" altLang="en-US"/>
           </a:p>
@@ -1435,7 +1436,7 @@
           <a:p>
             <a:fld id="{CD155C20-67AB-43EF-8383-CD2F17798BB7}" type="datetimeFigureOut">
               <a:rPr lang="zh-CN" altLang="en-US" smtClean="0"/>
-              <a:t>2020/9/5</a:t>
+              <a:t>2020/9/6</a:t>
             </a:fld>
             <a:endParaRPr lang="zh-CN" altLang="en-US"/>
           </a:p>
@@ -1847,7 +1848,7 @@
           <a:p>
             <a:fld id="{CD155C20-67AB-43EF-8383-CD2F17798BB7}" type="datetimeFigureOut">
               <a:rPr lang="zh-CN" altLang="en-US" smtClean="0"/>
-              <a:t>2020/9/5</a:t>
+              <a:t>2020/9/6</a:t>
             </a:fld>
             <a:endParaRPr lang="zh-CN" altLang="en-US"/>
           </a:p>
@@ -1988,7 +1989,7 @@
           <a:p>
             <a:fld id="{CD155C20-67AB-43EF-8383-CD2F17798BB7}" type="datetimeFigureOut">
               <a:rPr lang="zh-CN" altLang="en-US" smtClean="0"/>
-              <a:t>2020/9/5</a:t>
+              <a:t>2020/9/6</a:t>
             </a:fld>
             <a:endParaRPr lang="zh-CN" altLang="en-US"/>
           </a:p>
@@ -2101,7 +2102,7 @@
           <a:p>
             <a:fld id="{CD155C20-67AB-43EF-8383-CD2F17798BB7}" type="datetimeFigureOut">
               <a:rPr lang="zh-CN" altLang="en-US" smtClean="0"/>
-              <a:t>2020/9/5</a:t>
+              <a:t>2020/9/6</a:t>
             </a:fld>
             <a:endParaRPr lang="zh-CN" altLang="en-US"/>
           </a:p>
@@ -2412,7 +2413,7 @@
           <a:p>
             <a:fld id="{CD155C20-67AB-43EF-8383-CD2F17798BB7}" type="datetimeFigureOut">
               <a:rPr lang="zh-CN" altLang="en-US" smtClean="0"/>
-              <a:t>2020/9/5</a:t>
+              <a:t>2020/9/6</a:t>
             </a:fld>
             <a:endParaRPr lang="zh-CN" altLang="en-US"/>
           </a:p>
@@ -2700,7 +2701,7 @@
           <a:p>
             <a:fld id="{CD155C20-67AB-43EF-8383-CD2F17798BB7}" type="datetimeFigureOut">
               <a:rPr lang="zh-CN" altLang="en-US" smtClean="0"/>
-              <a:t>2020/9/5</a:t>
+              <a:t>2020/9/6</a:t>
             </a:fld>
             <a:endParaRPr lang="zh-CN" altLang="en-US"/>
           </a:p>
@@ -2941,7 +2942,7 @@
           <a:p>
             <a:fld id="{CD155C20-67AB-43EF-8383-CD2F17798BB7}" type="datetimeFigureOut">
               <a:rPr lang="zh-CN" altLang="en-US" smtClean="0"/>
-              <a:t>2020/9/5</a:t>
+              <a:t>2020/9/6</a:t>
             </a:fld>
             <a:endParaRPr lang="zh-CN" altLang="en-US"/>
           </a:p>
@@ -3566,7 +3567,7 @@
         <p:spPr/>
         <p:txBody>
           <a:bodyPr>
-            <a:normAutofit fontScale="92500" lnSpcReduction="10000"/>
+            <a:normAutofit/>
           </a:bodyPr>
           <a:lstStyle/>
           <a:p>
@@ -3581,96 +3582,96 @@
           </a:p>
           <a:p>
             <a:r>
-              <a:rPr lang="en-US" altLang="zh-CN" dirty="0"/>
+              <a:rPr lang="en-US" altLang="zh-CN" sz="2000" dirty="0"/>
               <a:t>git clone https://github.com/llvm/llvm-project.git</a:t>
             </a:r>
           </a:p>
           <a:p>
             <a:r>
-              <a:rPr lang="en-US" altLang="zh-CN" dirty="0"/>
+              <a:rPr lang="en-US" altLang="zh-CN" sz="2000" dirty="0"/>
               <a:t>cd </a:t>
             </a:r>
             <a:r>
-              <a:rPr lang="en-US" altLang="zh-CN" dirty="0" err="1"/>
+              <a:rPr lang="en-US" altLang="zh-CN" sz="2000" dirty="0" err="1"/>
               <a:t>llvm</a:t>
             </a:r>
             <a:r>
-              <a:rPr lang="en-US" altLang="zh-CN" dirty="0"/>
+              <a:rPr lang="en-US" altLang="zh-CN" sz="2000" dirty="0"/>
               <a:t>-project</a:t>
             </a:r>
           </a:p>
           <a:p>
             <a:r>
-              <a:rPr lang="en-US" altLang="zh-CN" dirty="0" err="1"/>
+              <a:rPr lang="en-US" altLang="zh-CN" sz="2000" dirty="0" err="1"/>
               <a:t>mkdir</a:t>
             </a:r>
             <a:r>
-              <a:rPr lang="en-US" altLang="zh-CN" dirty="0"/>
+              <a:rPr lang="en-US" altLang="zh-CN" sz="2000" dirty="0"/>
               <a:t> build</a:t>
             </a:r>
           </a:p>
           <a:p>
             <a:r>
-              <a:rPr lang="en-US" altLang="zh-CN" dirty="0"/>
+              <a:rPr lang="en-US" altLang="zh-CN" sz="2000" dirty="0"/>
               <a:t>cd build</a:t>
             </a:r>
           </a:p>
           <a:p>
             <a:r>
-              <a:rPr lang="en-US" altLang="zh-CN" dirty="0" err="1"/>
+              <a:rPr lang="en-US" altLang="zh-CN" sz="2000" dirty="0" err="1"/>
               <a:t>cmake</a:t>
             </a:r>
             <a:r>
-              <a:rPr lang="en-US" altLang="zh-CN" dirty="0"/>
+              <a:rPr lang="en-US" altLang="zh-CN" sz="2000" dirty="0"/>
               <a:t> –DLLVM_ENABLE_PROJECTS=“</a:t>
             </a:r>
             <a:r>
-              <a:rPr lang="en-US" altLang="zh-CN" dirty="0" err="1"/>
-              <a:t>clang;llvm</a:t>
-            </a:r>
-            <a:r>
-              <a:rPr lang="en-US" altLang="zh-CN" dirty="0"/>
+              <a:rPr lang="en-US" altLang="zh-CN" sz="2000" dirty="0" err="1"/>
+              <a:t>clang;llvm;lldb</a:t>
+            </a:r>
+            <a:r>
+              <a:rPr lang="en-US" altLang="zh-CN" sz="2000" dirty="0"/>
               <a:t>” –G “Unix </a:t>
             </a:r>
             <a:r>
-              <a:rPr lang="en-US" altLang="zh-CN" dirty="0" err="1"/>
+              <a:rPr lang="en-US" altLang="zh-CN" sz="2000" dirty="0" err="1"/>
               <a:t>Makefiles</a:t>
             </a:r>
             <a:r>
-              <a:rPr lang="en-US" altLang="zh-CN" dirty="0"/>
+              <a:rPr lang="en-US" altLang="zh-CN" sz="2000" dirty="0"/>
               <a:t>” ../</a:t>
             </a:r>
             <a:r>
-              <a:rPr lang="en-US" altLang="zh-CN" dirty="0" err="1"/>
+              <a:rPr lang="en-US" altLang="zh-CN" sz="2000" dirty="0" err="1"/>
               <a:t>llvm</a:t>
             </a:r>
-            <a:endParaRPr lang="en-US" altLang="zh-CN" dirty="0"/>
-          </a:p>
-          <a:p>
-            <a:r>
-              <a:rPr lang="en-US" altLang="zh-CN" dirty="0"/>
+            <a:endParaRPr lang="en-US" altLang="zh-CN" sz="2000" dirty="0"/>
+          </a:p>
+          <a:p>
+            <a:r>
+              <a:rPr lang="en-US" altLang="zh-CN" sz="2000" dirty="0"/>
               <a:t>make –j $(</a:t>
             </a:r>
             <a:r>
-              <a:rPr lang="en-US" altLang="zh-CN" dirty="0" err="1"/>
+              <a:rPr lang="en-US" altLang="zh-CN" sz="2000" dirty="0" err="1"/>
               <a:t>nproc</a:t>
             </a:r>
             <a:r>
-              <a:rPr lang="en-US" altLang="zh-CN" dirty="0"/>
+              <a:rPr lang="en-US" altLang="zh-CN" sz="2000" dirty="0"/>
               <a:t>)</a:t>
             </a:r>
           </a:p>
           <a:p>
             <a:r>
-              <a:rPr lang="en-US" altLang="zh-CN" dirty="0"/>
+              <a:rPr lang="en-US" altLang="zh-CN" sz="2000" dirty="0"/>
               <a:t>make Kaleidoscope –j $(</a:t>
             </a:r>
             <a:r>
-              <a:rPr lang="en-US" altLang="zh-CN" dirty="0" err="1"/>
+              <a:rPr lang="en-US" altLang="zh-CN" sz="2000" dirty="0" err="1"/>
               <a:t>nproc</a:t>
             </a:r>
             <a:r>
-              <a:rPr lang="en-US" altLang="zh-CN" dirty="0"/>
+              <a:rPr lang="en-US" altLang="zh-CN" sz="2000" dirty="0"/>
               <a:t>)</a:t>
             </a:r>
           </a:p>
@@ -3711,6 +3712,501 @@
           <p:cNvPr id="2" name="标题 1">
             <a:extLst>
               <a:ext uri="{FF2B5EF4-FFF2-40B4-BE49-F238E27FC236}">
+                <a16:creationId xmlns:a16="http://schemas.microsoft.com/office/drawing/2014/main" id="{67EF0B46-C62C-476D-A479-44A66A830B2E}"/>
+              </a:ext>
+            </a:extLst>
+          </p:cNvPr>
+          <p:cNvSpPr>
+            <a:spLocks noGrp="1"/>
+          </p:cNvSpPr>
+          <p:nvPr>
+            <p:ph type="title"/>
+          </p:nvPr>
+        </p:nvSpPr>
+        <p:spPr>
+          <a:xfrm>
+            <a:off x="838200" y="365125"/>
+            <a:ext cx="10515600" cy="694241"/>
+          </a:xfrm>
+        </p:spPr>
+        <p:txBody>
+          <a:bodyPr>
+            <a:normAutofit fontScale="90000"/>
+          </a:bodyPr>
+          <a:lstStyle/>
+          <a:p>
+            <a:r>
+              <a:rPr lang="zh-CN" altLang="en-US" dirty="0"/>
+              <a:t>编译、调试</a:t>
+            </a:r>
+          </a:p>
+        </p:txBody>
+      </p:sp>
+      <p:sp>
+        <p:nvSpPr>
+          <p:cNvPr id="4" name="矩形 3">
+            <a:extLst>
+              <a:ext uri="{FF2B5EF4-FFF2-40B4-BE49-F238E27FC236}">
+                <a16:creationId xmlns:a16="http://schemas.microsoft.com/office/drawing/2014/main" id="{2AD704E6-9A78-4C4C-909A-1BD1AFEB657B}"/>
+              </a:ext>
+            </a:extLst>
+          </p:cNvPr>
+          <p:cNvSpPr/>
+          <p:nvPr/>
+        </p:nvSpPr>
+        <p:spPr>
+          <a:xfrm>
+            <a:off x="838200" y="1445196"/>
+            <a:ext cx="5495692" cy="2462213"/>
+          </a:xfrm>
+          <a:prstGeom prst="rect">
+            <a:avLst/>
+          </a:prstGeom>
+          <a:solidFill>
+            <a:schemeClr val="bg1"/>
+          </a:solidFill>
+        </p:spPr>
+        <p:txBody>
+          <a:bodyPr wrap="square">
+            <a:spAutoFit/>
+          </a:bodyPr>
+          <a:lstStyle/>
+          <a:p>
+            <a:r>
+              <a:rPr lang="en-US" altLang="zh-CN" sz="1400" b="1" dirty="0" err="1">
+                <a:solidFill>
+                  <a:schemeClr val="accent4">
+                    <a:lumMod val="60000"/>
+                    <a:lumOff val="40000"/>
+                  </a:schemeClr>
+                </a:solidFill>
+              </a:rPr>
+              <a:t>fib.ks</a:t>
+            </a:r>
+            <a:endParaRPr lang="en-US" altLang="zh-CN" sz="1400" b="1" dirty="0">
+              <a:solidFill>
+                <a:schemeClr val="accent4">
+                  <a:lumMod val="60000"/>
+                  <a:lumOff val="40000"/>
+                </a:schemeClr>
+              </a:solidFill>
+            </a:endParaRPr>
+          </a:p>
+          <a:p>
+            <a:endParaRPr lang="en-US" altLang="zh-CN" sz="1400" dirty="0"/>
+          </a:p>
+          <a:p>
+            <a:r>
+              <a:rPr lang="en-US" altLang="zh-CN" sz="1400" dirty="0"/>
+              <a:t>def fib(x)</a:t>
+            </a:r>
+          </a:p>
+          <a:p>
+            <a:r>
+              <a:rPr lang="en-US" altLang="zh-CN" sz="1400" dirty="0"/>
+              <a:t>  if x &lt; 3 then</a:t>
+            </a:r>
+          </a:p>
+          <a:p>
+            <a:r>
+              <a:rPr lang="en-US" altLang="zh-CN" sz="1400" dirty="0"/>
+              <a:t>    1</a:t>
+            </a:r>
+          </a:p>
+          <a:p>
+            <a:r>
+              <a:rPr lang="en-US" altLang="zh-CN" sz="1400" dirty="0"/>
+              <a:t>  else</a:t>
+            </a:r>
+          </a:p>
+          <a:p>
+            <a:r>
+              <a:rPr lang="en-US" altLang="zh-CN" sz="1400" dirty="0"/>
+              <a:t>    fib(x-1)+fib(x-2);</a:t>
+            </a:r>
+          </a:p>
+          <a:p>
+            <a:endParaRPr lang="en-US" altLang="zh-CN" sz="1400" dirty="0"/>
+          </a:p>
+          <a:p>
+            <a:r>
+              <a:rPr lang="en-US" altLang="zh-CN" sz="1400" dirty="0"/>
+              <a:t>def main() </a:t>
+            </a:r>
+            <a:r>
+              <a:rPr lang="en-US" altLang="zh-CN" sz="1400" dirty="0">
+                <a:solidFill>
+                  <a:srgbClr val="6A9955"/>
+                </a:solidFill>
+                <a:latin typeface="Consolas" panose="020B0609020204030204" pitchFamily="49" charset="0"/>
+              </a:rPr>
+              <a:t>#</a:t>
+            </a:r>
+            <a:r>
+              <a:rPr lang="zh-CN" altLang="en-US" sz="1400" dirty="0">
+                <a:solidFill>
+                  <a:srgbClr val="6A9955"/>
+                </a:solidFill>
+                <a:latin typeface="Consolas" panose="020B0609020204030204" pitchFamily="49" charset="0"/>
+              </a:rPr>
+              <a:t> 为程序提供执行入口</a:t>
+            </a:r>
+            <a:endParaRPr lang="en-US" altLang="zh-CN" sz="1400" dirty="0">
+              <a:solidFill>
+                <a:srgbClr val="6A9955"/>
+              </a:solidFill>
+              <a:latin typeface="Consolas" panose="020B0609020204030204" pitchFamily="49" charset="0"/>
+            </a:endParaRPr>
+          </a:p>
+          <a:p>
+            <a:r>
+              <a:rPr lang="en-US" altLang="zh-CN" sz="1400" dirty="0"/>
+              <a:t>  fib(10);</a:t>
+            </a:r>
+          </a:p>
+          <a:p>
+            <a:endParaRPr lang="en-US" altLang="zh-CN" sz="1400" dirty="0"/>
+          </a:p>
+        </p:txBody>
+      </p:sp>
+      <p:sp>
+        <p:nvSpPr>
+          <p:cNvPr id="6" name="矩形 5">
+            <a:extLst>
+              <a:ext uri="{FF2B5EF4-FFF2-40B4-BE49-F238E27FC236}">
+                <a16:creationId xmlns:a16="http://schemas.microsoft.com/office/drawing/2014/main" id="{BD76AD1B-ED81-4542-BC85-218CCB3095E7}"/>
+              </a:ext>
+            </a:extLst>
+          </p:cNvPr>
+          <p:cNvSpPr/>
+          <p:nvPr/>
+        </p:nvSpPr>
+        <p:spPr>
+          <a:xfrm>
+            <a:off x="838200" y="4181697"/>
+            <a:ext cx="5495693" cy="2031325"/>
+          </a:xfrm>
+          <a:prstGeom prst="rect">
+            <a:avLst/>
+          </a:prstGeom>
+          <a:solidFill>
+            <a:schemeClr val="bg1"/>
+          </a:solidFill>
+        </p:spPr>
+        <p:txBody>
+          <a:bodyPr wrap="square">
+            <a:spAutoFit/>
+          </a:bodyPr>
+          <a:lstStyle/>
+          <a:p>
+            <a:r>
+              <a:rPr lang="en-US" altLang="zh-CN" sz="1400" b="1" dirty="0">
+                <a:solidFill>
+                  <a:schemeClr val="accent4">
+                    <a:lumMod val="60000"/>
+                    <a:lumOff val="40000"/>
+                  </a:schemeClr>
+                </a:solidFill>
+              </a:rPr>
+              <a:t>Kaleidoscope-Ch9 &lt; </a:t>
+            </a:r>
+            <a:r>
+              <a:rPr lang="en-US" altLang="zh-CN" sz="1400" b="1" dirty="0" err="1">
+                <a:solidFill>
+                  <a:schemeClr val="accent4">
+                    <a:lumMod val="60000"/>
+                    <a:lumOff val="40000"/>
+                  </a:schemeClr>
+                </a:solidFill>
+              </a:rPr>
+              <a:t>fib.ks</a:t>
+            </a:r>
+            <a:r>
+              <a:rPr lang="en-US" altLang="zh-CN" sz="1400" b="1" dirty="0">
+                <a:solidFill>
+                  <a:schemeClr val="accent4">
+                    <a:lumMod val="60000"/>
+                    <a:lumOff val="40000"/>
+                  </a:schemeClr>
+                </a:solidFill>
+              </a:rPr>
+              <a:t> &amp;&gt; </a:t>
+            </a:r>
+            <a:r>
+              <a:rPr lang="en-US" altLang="zh-CN" sz="1400" b="1" dirty="0" err="1">
+                <a:solidFill>
+                  <a:schemeClr val="accent4">
+                    <a:lumMod val="60000"/>
+                    <a:lumOff val="40000"/>
+                  </a:schemeClr>
+                </a:solidFill>
+              </a:rPr>
+              <a:t>fib.ksdb</a:t>
+            </a:r>
+            <a:endParaRPr lang="en-US" altLang="zh-CN" sz="1400" b="1" dirty="0">
+              <a:solidFill>
+                <a:schemeClr val="accent4">
+                  <a:lumMod val="60000"/>
+                  <a:lumOff val="40000"/>
+                </a:schemeClr>
+              </a:solidFill>
+            </a:endParaRPr>
+          </a:p>
+          <a:p>
+            <a:r>
+              <a:rPr lang="en-US" altLang="zh-CN" sz="1400" dirty="0">
+                <a:solidFill>
+                  <a:srgbClr val="6A9955"/>
+                </a:solidFill>
+                <a:latin typeface="Consolas" panose="020B0609020204030204" pitchFamily="49" charset="0"/>
+              </a:rPr>
+              <a:t># </a:t>
+            </a:r>
+            <a:r>
+              <a:rPr lang="zh-CN" altLang="en-US" sz="1400" dirty="0">
+                <a:solidFill>
+                  <a:srgbClr val="6A9955"/>
+                </a:solidFill>
+                <a:latin typeface="Consolas" panose="020B0609020204030204" pitchFamily="49" charset="0"/>
+              </a:rPr>
+              <a:t>读取</a:t>
+            </a:r>
+            <a:r>
+              <a:rPr lang="en-US" altLang="zh-CN" sz="1400" dirty="0" err="1">
+                <a:solidFill>
+                  <a:srgbClr val="6A9955"/>
+                </a:solidFill>
+                <a:latin typeface="Consolas" panose="020B0609020204030204" pitchFamily="49" charset="0"/>
+              </a:rPr>
+              <a:t>fib.ks</a:t>
+            </a:r>
+            <a:r>
+              <a:rPr lang="zh-CN" altLang="en-US" sz="1400" dirty="0">
+                <a:solidFill>
+                  <a:srgbClr val="6A9955"/>
+                </a:solidFill>
+                <a:latin typeface="Consolas" panose="020B0609020204030204" pitchFamily="49" charset="0"/>
+              </a:rPr>
+              <a:t>源文件，并输出到</a:t>
+            </a:r>
+            <a:r>
+              <a:rPr lang="en-US" altLang="zh-CN" sz="1400" dirty="0" err="1">
+                <a:solidFill>
+                  <a:srgbClr val="6A9955"/>
+                </a:solidFill>
+                <a:latin typeface="Consolas" panose="020B0609020204030204" pitchFamily="49" charset="0"/>
+              </a:rPr>
+              <a:t>fib.ksdb</a:t>
+            </a:r>
+            <a:endParaRPr lang="en-US" altLang="zh-CN" sz="1400" dirty="0">
+              <a:solidFill>
+                <a:srgbClr val="6A9955"/>
+              </a:solidFill>
+              <a:latin typeface="Consolas" panose="020B0609020204030204" pitchFamily="49" charset="0"/>
+            </a:endParaRPr>
+          </a:p>
+          <a:p>
+            <a:endParaRPr lang="pt-BR" altLang="zh-CN" sz="1400" b="1" dirty="0">
+              <a:solidFill>
+                <a:schemeClr val="accent4">
+                  <a:lumMod val="60000"/>
+                  <a:lumOff val="40000"/>
+                </a:schemeClr>
+              </a:solidFill>
+            </a:endParaRPr>
+          </a:p>
+          <a:p>
+            <a:r>
+              <a:rPr lang="pt-BR" altLang="zh-CN" sz="1400" b="1" dirty="0">
+                <a:solidFill>
+                  <a:schemeClr val="accent4">
+                    <a:lumMod val="60000"/>
+                    <a:lumOff val="40000"/>
+                  </a:schemeClr>
+                </a:solidFill>
+              </a:rPr>
+              <a:t>clang -x ir fib.ksdb -o fib-debug</a:t>
+            </a:r>
+          </a:p>
+          <a:p>
+            <a:r>
+              <a:rPr lang="en-US" altLang="zh-CN" sz="1400" dirty="0">
+                <a:solidFill>
+                  <a:srgbClr val="6A9955"/>
+                </a:solidFill>
+                <a:latin typeface="Consolas" panose="020B0609020204030204" pitchFamily="49" charset="0"/>
+              </a:rPr>
+              <a:t>#</a:t>
+            </a:r>
+            <a:r>
+              <a:rPr lang="zh-CN" altLang="en-US" sz="1400" dirty="0">
+                <a:solidFill>
+                  <a:srgbClr val="6A9955"/>
+                </a:solidFill>
+                <a:latin typeface="Consolas" panose="020B0609020204030204" pitchFamily="49" charset="0"/>
+              </a:rPr>
+              <a:t> </a:t>
+            </a:r>
+            <a:r>
+              <a:rPr lang="en-US" altLang="zh-CN" sz="1400" dirty="0">
+                <a:solidFill>
+                  <a:srgbClr val="6A9955"/>
+                </a:solidFill>
+                <a:latin typeface="Consolas" panose="020B0609020204030204" pitchFamily="49" charset="0"/>
+              </a:rPr>
+              <a:t>clang</a:t>
+            </a:r>
+            <a:r>
+              <a:rPr lang="zh-CN" altLang="en-US" sz="1400" dirty="0">
+                <a:solidFill>
+                  <a:srgbClr val="6A9955"/>
+                </a:solidFill>
+                <a:latin typeface="Consolas" panose="020B0609020204030204" pitchFamily="49" charset="0"/>
+              </a:rPr>
+              <a:t>编译并输出到</a:t>
+            </a:r>
+            <a:r>
+              <a:rPr lang="en-US" altLang="zh-CN" sz="1400" dirty="0">
+                <a:solidFill>
+                  <a:srgbClr val="6A9955"/>
+                </a:solidFill>
+                <a:latin typeface="Consolas" panose="020B0609020204030204" pitchFamily="49" charset="0"/>
+              </a:rPr>
+              <a:t>fib-debug</a:t>
+            </a:r>
+          </a:p>
+          <a:p>
+            <a:endParaRPr lang="en-US" altLang="zh-CN" sz="1400" b="1" dirty="0">
+              <a:solidFill>
+                <a:schemeClr val="accent4">
+                  <a:lumMod val="60000"/>
+                  <a:lumOff val="40000"/>
+                </a:schemeClr>
+              </a:solidFill>
+            </a:endParaRPr>
+          </a:p>
+          <a:p>
+            <a:r>
+              <a:rPr lang="en-US" altLang="zh-CN" sz="1400" b="1" dirty="0" err="1">
+                <a:solidFill>
+                  <a:schemeClr val="accent4">
+                    <a:lumMod val="60000"/>
+                    <a:lumOff val="40000"/>
+                  </a:schemeClr>
+                </a:solidFill>
+              </a:rPr>
+              <a:t>lldb</a:t>
+            </a:r>
+            <a:r>
+              <a:rPr lang="en-US" altLang="zh-CN" sz="1400" b="1" dirty="0">
+                <a:solidFill>
+                  <a:schemeClr val="accent4">
+                    <a:lumMod val="60000"/>
+                    <a:lumOff val="40000"/>
+                  </a:schemeClr>
+                </a:solidFill>
+              </a:rPr>
+              <a:t> </a:t>
+            </a:r>
+            <a:r>
+              <a:rPr lang="pt-BR" altLang="zh-CN" sz="1400" b="1" dirty="0">
+                <a:solidFill>
+                  <a:schemeClr val="accent4">
+                    <a:lumMod val="60000"/>
+                    <a:lumOff val="40000"/>
+                  </a:schemeClr>
+                </a:solidFill>
+              </a:rPr>
+              <a:t>fib-debug</a:t>
+            </a:r>
+          </a:p>
+          <a:p>
+            <a:r>
+              <a:rPr lang="en-US" altLang="zh-CN" sz="1400" dirty="0">
+                <a:solidFill>
+                  <a:srgbClr val="6A9955"/>
+                </a:solidFill>
+                <a:latin typeface="Consolas" panose="020B0609020204030204" pitchFamily="49" charset="0"/>
+              </a:rPr>
+              <a:t># </a:t>
+            </a:r>
+            <a:r>
+              <a:rPr lang="zh-CN" altLang="en-US" sz="1400" dirty="0">
+                <a:solidFill>
+                  <a:srgbClr val="6A9955"/>
+                </a:solidFill>
+                <a:latin typeface="Consolas" panose="020B0609020204030204" pitchFamily="49" charset="0"/>
+              </a:rPr>
+              <a:t>使用</a:t>
+            </a:r>
+            <a:r>
+              <a:rPr lang="en-US" altLang="zh-CN" sz="1400" dirty="0" err="1">
+                <a:solidFill>
+                  <a:srgbClr val="6A9955"/>
+                </a:solidFill>
+                <a:latin typeface="Consolas" panose="020B0609020204030204" pitchFamily="49" charset="0"/>
+              </a:rPr>
+              <a:t>lldb</a:t>
+            </a:r>
+            <a:r>
+              <a:rPr lang="zh-CN" altLang="en-US" sz="1400" dirty="0">
+                <a:solidFill>
+                  <a:srgbClr val="6A9955"/>
+                </a:solidFill>
+                <a:latin typeface="Consolas" panose="020B0609020204030204" pitchFamily="49" charset="0"/>
+              </a:rPr>
+              <a:t>进行</a:t>
+            </a:r>
+            <a:r>
+              <a:rPr lang="en-US" altLang="zh-CN" sz="1400" dirty="0">
+                <a:solidFill>
+                  <a:srgbClr val="6A9955"/>
+                </a:solidFill>
+                <a:latin typeface="Consolas" panose="020B0609020204030204" pitchFamily="49" charset="0"/>
+              </a:rPr>
+              <a:t>debug</a:t>
+            </a:r>
+          </a:p>
+          <a:p>
+            <a:endParaRPr lang="zh-CN" altLang="en-US" sz="1400" dirty="0"/>
+          </a:p>
+        </p:txBody>
+      </p:sp>
+    </p:spTree>
+    <p:extLst>
+      <p:ext uri="{BB962C8B-B14F-4D97-AF65-F5344CB8AC3E}">
+        <p14:creationId xmlns:p14="http://schemas.microsoft.com/office/powerpoint/2010/main" val="581312178"/>
+      </p:ext>
+    </p:extLst>
+  </p:cSld>
+  <p:clrMapOvr>
+    <a:masterClrMapping/>
+  </p:clrMapOvr>
+</p:sld>
+</file>
+
+<file path=ppt/slides/slide4.xml><?xml version="1.0" encoding="utf-8"?>
+<p:sld xmlns:a="http://schemas.openxmlformats.org/drawingml/2006/main" xmlns:r="http://schemas.openxmlformats.org/officeDocument/2006/relationships" xmlns:p="http://schemas.openxmlformats.org/presentationml/2006/main">
+  <p:cSld>
+    <p:spTree>
+      <p:nvGrpSpPr>
+        <p:cNvPr id="1" name=""/>
+        <p:cNvGrpSpPr/>
+        <p:nvPr/>
+      </p:nvGrpSpPr>
+      <p:grpSpPr>
+        <a:xfrm>
+          <a:off x="0" y="0"/>
+          <a:ext cx="0" cy="0"/>
+          <a:chOff x="0" y="0"/>
+          <a:chExt cx="0" cy="0"/>
+        </a:xfrm>
+      </p:grpSpPr>
+      <p:sp>
+        <p:nvSpPr>
+          <p:cNvPr id="2" name="标题 1">
+            <a:extLst>
+              <a:ext uri="{FF2B5EF4-FFF2-40B4-BE49-F238E27FC236}">
                 <a16:creationId xmlns:a16="http://schemas.microsoft.com/office/drawing/2014/main" id="{52AED1D7-2A1E-4347-9C1A-B1E0BCB03E01}"/>
               </a:ext>
             </a:extLst>
@@ -3731,31 +4227,6 @@
               <a:rPr lang="zh-CN" altLang="en-US" dirty="0"/>
               <a:t>头文件</a:t>
             </a:r>
-          </a:p>
-        </p:txBody>
-      </p:sp>
-      <p:sp>
-        <p:nvSpPr>
-          <p:cNvPr id="3" name="内容占位符 2">
-            <a:extLst>
-              <a:ext uri="{FF2B5EF4-FFF2-40B4-BE49-F238E27FC236}">
-                <a16:creationId xmlns:a16="http://schemas.microsoft.com/office/drawing/2014/main" id="{654F97D7-03A9-48BE-8473-40E683F5C7C9}"/>
-              </a:ext>
-            </a:extLst>
-          </p:cNvPr>
-          <p:cNvSpPr>
-            <a:spLocks noGrp="1"/>
-          </p:cNvSpPr>
-          <p:nvPr>
-            <p:ph idx="1"/>
-          </p:nvPr>
-        </p:nvSpPr>
-        <p:spPr/>
-        <p:txBody>
-          <a:bodyPr/>
-          <a:lstStyle/>
-          <a:p>
-            <a:endParaRPr lang="zh-CN" altLang="en-US"/>
           </a:p>
         </p:txBody>
       </p:sp>
@@ -3772,7 +4243,7 @@
 </p:sld>
 </file>
 
-<file path=ppt/slides/slide4.xml><?xml version="1.0" encoding="utf-8"?>
+<file path=ppt/slides/slide5.xml><?xml version="1.0" encoding="utf-8"?>
 <p:sld xmlns:a="http://schemas.openxmlformats.org/drawingml/2006/main" xmlns:r="http://schemas.openxmlformats.org/officeDocument/2006/relationships" xmlns:p="http://schemas.openxmlformats.org/presentationml/2006/main">
   <p:cSld>
     <p:spTree>

--- a/Kaleidoscope/Ch9/Kaleidoscope.pptx
+++ b/Kaleidoscope/Ch9/Kaleidoscope.pptx
@@ -8000,7 +8000,7 @@
           <a:p>
             <a:fld id="{CD155C20-67AB-43EF-8383-CD2F17798BB7}" type="datetimeFigureOut">
               <a:rPr lang="zh-CN" altLang="en-US" smtClean="0"/>
-              <a:t>2020/9/9</a:t>
+              <a:t>2020/9/10</a:t>
             </a:fld>
             <a:endParaRPr lang="zh-CN" altLang="en-US"/>
           </a:p>
@@ -8198,7 +8198,7 @@
           <a:p>
             <a:fld id="{CD155C20-67AB-43EF-8383-CD2F17798BB7}" type="datetimeFigureOut">
               <a:rPr lang="zh-CN" altLang="en-US" smtClean="0"/>
-              <a:t>2020/9/9</a:t>
+              <a:t>2020/9/10</a:t>
             </a:fld>
             <a:endParaRPr lang="zh-CN" altLang="en-US"/>
           </a:p>
@@ -8406,7 +8406,7 @@
           <a:p>
             <a:fld id="{CD155C20-67AB-43EF-8383-CD2F17798BB7}" type="datetimeFigureOut">
               <a:rPr lang="zh-CN" altLang="en-US" smtClean="0"/>
-              <a:t>2020/9/9</a:t>
+              <a:t>2020/9/10</a:t>
             </a:fld>
             <a:endParaRPr lang="zh-CN" altLang="en-US"/>
           </a:p>
@@ -8620,7 +8620,7 @@
           <a:p>
             <a:fld id="{CD155C20-67AB-43EF-8383-CD2F17798BB7}" type="datetimeFigureOut">
               <a:rPr lang="zh-CN" altLang="en-US" smtClean="0"/>
-              <a:t>2020/9/9</a:t>
+              <a:t>2020/9/10</a:t>
             </a:fld>
             <a:endParaRPr lang="zh-CN" altLang="en-US"/>
           </a:p>
@@ -8895,7 +8895,7 @@
           <a:p>
             <a:fld id="{CD155C20-67AB-43EF-8383-CD2F17798BB7}" type="datetimeFigureOut">
               <a:rPr lang="zh-CN" altLang="en-US" smtClean="0"/>
-              <a:t>2020/9/9</a:t>
+              <a:t>2020/9/10</a:t>
             </a:fld>
             <a:endParaRPr lang="zh-CN" altLang="en-US"/>
           </a:p>
@@ -9160,7 +9160,7 @@
           <a:p>
             <a:fld id="{CD155C20-67AB-43EF-8383-CD2F17798BB7}" type="datetimeFigureOut">
               <a:rPr lang="zh-CN" altLang="en-US" smtClean="0"/>
-              <a:t>2020/9/9</a:t>
+              <a:t>2020/9/10</a:t>
             </a:fld>
             <a:endParaRPr lang="zh-CN" altLang="en-US"/>
           </a:p>
@@ -9572,7 +9572,7 @@
           <a:p>
             <a:fld id="{CD155C20-67AB-43EF-8383-CD2F17798BB7}" type="datetimeFigureOut">
               <a:rPr lang="zh-CN" altLang="en-US" smtClean="0"/>
-              <a:t>2020/9/9</a:t>
+              <a:t>2020/9/10</a:t>
             </a:fld>
             <a:endParaRPr lang="zh-CN" altLang="en-US"/>
           </a:p>
@@ -9713,7 +9713,7 @@
           <a:p>
             <a:fld id="{CD155C20-67AB-43EF-8383-CD2F17798BB7}" type="datetimeFigureOut">
               <a:rPr lang="zh-CN" altLang="en-US" smtClean="0"/>
-              <a:t>2020/9/9</a:t>
+              <a:t>2020/9/10</a:t>
             </a:fld>
             <a:endParaRPr lang="zh-CN" altLang="en-US"/>
           </a:p>
@@ -9826,7 +9826,7 @@
           <a:p>
             <a:fld id="{CD155C20-67AB-43EF-8383-CD2F17798BB7}" type="datetimeFigureOut">
               <a:rPr lang="zh-CN" altLang="en-US" smtClean="0"/>
-              <a:t>2020/9/9</a:t>
+              <a:t>2020/9/10</a:t>
             </a:fld>
             <a:endParaRPr lang="zh-CN" altLang="en-US"/>
           </a:p>
@@ -10137,7 +10137,7 @@
           <a:p>
             <a:fld id="{CD155C20-67AB-43EF-8383-CD2F17798BB7}" type="datetimeFigureOut">
               <a:rPr lang="zh-CN" altLang="en-US" smtClean="0"/>
-              <a:t>2020/9/9</a:t>
+              <a:t>2020/9/10</a:t>
             </a:fld>
             <a:endParaRPr lang="zh-CN" altLang="en-US"/>
           </a:p>
@@ -10425,7 +10425,7 @@
           <a:p>
             <a:fld id="{CD155C20-67AB-43EF-8383-CD2F17798BB7}" type="datetimeFigureOut">
               <a:rPr lang="zh-CN" altLang="en-US" smtClean="0"/>
-              <a:t>2020/9/9</a:t>
+              <a:t>2020/9/10</a:t>
             </a:fld>
             <a:endParaRPr lang="zh-CN" altLang="en-US"/>
           </a:p>
@@ -10666,7 +10666,7 @@
           <a:p>
             <a:fld id="{CD155C20-67AB-43EF-8383-CD2F17798BB7}" type="datetimeFigureOut">
               <a:rPr lang="zh-CN" altLang="en-US" smtClean="0"/>
-              <a:t>2020/9/9</a:t>
+              <a:t>2020/9/10</a:t>
             </a:fld>
             <a:endParaRPr lang="zh-CN" altLang="en-US"/>
           </a:p>
@@ -11291,13 +11291,36 @@
         <p:spPr/>
         <p:txBody>
           <a:bodyPr>
-            <a:normAutofit/>
+            <a:normAutofit lnSpcReduction="10000"/>
           </a:bodyPr>
           <a:lstStyle/>
           <a:p>
             <a:r>
               <a:rPr lang="zh-CN" altLang="en-US" dirty="0"/>
-              <a:t>本次变动较大，且作为总结，我们选择对代码全部进行注释</a:t>
+              <a:t>本次变动较大，且作为总结，我们选择对代码重新进行注释</a:t>
+            </a:r>
+            <a:endParaRPr lang="en-US" altLang="zh-CN" dirty="0"/>
+          </a:p>
+          <a:p>
+            <a:r>
+              <a:rPr lang="zh-CN" altLang="en-US" dirty="0"/>
+              <a:t>取消</a:t>
+            </a:r>
+            <a:r>
+              <a:rPr lang="en-US" altLang="zh-CN" dirty="0"/>
+              <a:t>JIT</a:t>
+            </a:r>
+            <a:r>
+              <a:rPr lang="zh-CN" altLang="en-US" dirty="0"/>
+              <a:t>和优化，</a:t>
+            </a:r>
+            <a:r>
+              <a:rPr lang="en-US" altLang="zh-CN" dirty="0"/>
+              <a:t>debug</a:t>
+            </a:r>
+            <a:r>
+              <a:rPr lang="zh-CN" altLang="en-US" dirty="0"/>
+              <a:t>模式</a:t>
             </a:r>
             <a:endParaRPr lang="en-US" altLang="zh-CN" dirty="0"/>
           </a:p>
@@ -11480,7 +11503,7 @@
         </p:nvSpPr>
         <p:spPr>
           <a:xfrm>
-            <a:off x="863600" y="1445196"/>
+            <a:off x="394568" y="2428176"/>
             <a:ext cx="5495692" cy="2462213"/>
           </a:xfrm>
           <a:prstGeom prst="rect">
@@ -11607,7 +11630,7 @@
         </p:nvSpPr>
         <p:spPr>
           <a:xfrm>
-            <a:off x="863600" y="4181697"/>
+            <a:off x="6301742" y="2428176"/>
             <a:ext cx="5495693" cy="2031325"/>
           </a:xfrm>
           <a:prstGeom prst="rect">
@@ -11665,7 +11688,7 @@
                   </a:schemeClr>
                 </a:solidFill>
               </a:rPr>
-              <a:t>fib.ksdb</a:t>
+              <a:t>fib.ll</a:t>
             </a:r>
             <a:endParaRPr lang="en-US" altLang="zh-CN" sz="1400" b="1" dirty="0">
               <a:solidFill>
@@ -11749,7 +11772,29 @@
                   </a:schemeClr>
                 </a:solidFill>
               </a:rPr>
-              <a:t>clang -x ir fib.ksdb -o fib-debug</a:t>
+              <a:t>clang -x ir fib.</a:t>
+            </a:r>
+            <a:r>
+              <a:rPr lang="en-US" altLang="zh-CN" sz="1400" b="1" dirty="0" err="1">
+                <a:solidFill>
+                  <a:schemeClr val="accent4">
+                    <a:lumMod val="60000"/>
+                    <a:lumOff val="40000"/>
+                  </a:schemeClr>
+                </a:solidFill>
+              </a:rPr>
+              <a:t>ll</a:t>
+            </a:r>
+            <a:r>
+              <a:rPr lang="pt-BR" altLang="zh-CN" sz="1400" b="1" dirty="0">
+                <a:solidFill>
+                  <a:schemeClr val="accent4">
+                    <a:lumMod val="60000"/>
+                    <a:lumOff val="40000"/>
+                  </a:schemeClr>
+                </a:solidFill>
+              </a:rPr>
+              <a:t> -o fib-debug</a:t>
             </a:r>
           </a:p>
           <a:p>
